--- a/A_busz (1).pptx
+++ b/A_busz (1).pptx
@@ -284,7 +284,7 @@
           <a:p>
             <a:fld id="{F8100E49-6547-4E7F-9859-58FAF5C428CE}" type="datetimeFigureOut">
               <a:rPr lang="hu-HU" smtClean="0"/>
-              <a:t>2024. 11. 04.</a:t>
+              <a:t>2024. 11. 05.</a:t>
             </a:fld>
             <a:endParaRPr lang="hu-HU"/>
           </a:p>
@@ -482,7 +482,7 @@
           <a:p>
             <a:fld id="{F8100E49-6547-4E7F-9859-58FAF5C428CE}" type="datetimeFigureOut">
               <a:rPr lang="hu-HU" smtClean="0"/>
-              <a:t>2024. 11. 04.</a:t>
+              <a:t>2024. 11. 05.</a:t>
             </a:fld>
             <a:endParaRPr lang="hu-HU"/>
           </a:p>
@@ -690,7 +690,7 @@
           <a:p>
             <a:fld id="{F8100E49-6547-4E7F-9859-58FAF5C428CE}" type="datetimeFigureOut">
               <a:rPr lang="hu-HU" smtClean="0"/>
-              <a:t>2024. 11. 04.</a:t>
+              <a:t>2024. 11. 05.</a:t>
             </a:fld>
             <a:endParaRPr lang="hu-HU"/>
           </a:p>
@@ -934,7 +934,7 @@
             <a:fld id="{F8100E49-6547-4E7F-9859-58FAF5C428CE}" type="datetimeFigureOut">
               <a:rPr lang="hu-HU" smtClean="0"/>
               <a:pPr/>
-              <a:t>2024. 11. 04.</a:t>
+              <a:t>2024. 11. 05.</a:t>
             </a:fld>
             <a:endParaRPr lang="hu-HU"/>
           </a:p>
@@ -1224,7 +1224,7 @@
           <a:p>
             <a:fld id="{F8100E49-6547-4E7F-9859-58FAF5C428CE}" type="datetimeFigureOut">
               <a:rPr lang="hu-HU" smtClean="0"/>
-              <a:t>2024. 11. 04.</a:t>
+              <a:t>2024. 11. 05.</a:t>
             </a:fld>
             <a:endParaRPr lang="hu-HU"/>
           </a:p>
@@ -1489,7 +1489,7 @@
           <a:p>
             <a:fld id="{F8100E49-6547-4E7F-9859-58FAF5C428CE}" type="datetimeFigureOut">
               <a:rPr lang="hu-HU" smtClean="0"/>
-              <a:t>2024. 11. 04.</a:t>
+              <a:t>2024. 11. 05.</a:t>
             </a:fld>
             <a:endParaRPr lang="hu-HU"/>
           </a:p>
@@ -2003,7 +2003,7 @@
             <a:fld id="{F8100E49-6547-4E7F-9859-58FAF5C428CE}" type="datetimeFigureOut">
               <a:rPr lang="hu-HU" smtClean="0"/>
               <a:pPr/>
-              <a:t>2024. 11. 04.</a:t>
+              <a:t>2024. 11. 05.</a:t>
             </a:fld>
             <a:endParaRPr lang="hu-HU"/>
           </a:p>
@@ -2164,7 +2164,7 @@
           <a:p>
             <a:fld id="{F8100E49-6547-4E7F-9859-58FAF5C428CE}" type="datetimeFigureOut">
               <a:rPr lang="hu-HU" smtClean="0"/>
-              <a:t>2024. 11. 04.</a:t>
+              <a:t>2024. 11. 05.</a:t>
             </a:fld>
             <a:endParaRPr lang="hu-HU"/>
           </a:p>
@@ -2277,7 +2277,7 @@
           <a:p>
             <a:fld id="{F8100E49-6547-4E7F-9859-58FAF5C428CE}" type="datetimeFigureOut">
               <a:rPr lang="hu-HU" smtClean="0"/>
-              <a:t>2024. 11. 04.</a:t>
+              <a:t>2024. 11. 05.</a:t>
             </a:fld>
             <a:endParaRPr lang="hu-HU"/>
           </a:p>
@@ -2588,7 +2588,7 @@
           <a:p>
             <a:fld id="{F8100E49-6547-4E7F-9859-58FAF5C428CE}" type="datetimeFigureOut">
               <a:rPr lang="hu-HU" smtClean="0"/>
-              <a:t>2024. 11. 04.</a:t>
+              <a:t>2024. 11. 05.</a:t>
             </a:fld>
             <a:endParaRPr lang="hu-HU"/>
           </a:p>
@@ -2881,7 +2881,7 @@
           <a:p>
             <a:fld id="{F8100E49-6547-4E7F-9859-58FAF5C428CE}" type="datetimeFigureOut">
               <a:rPr lang="hu-HU" smtClean="0"/>
-              <a:t>2024. 11. 04.</a:t>
+              <a:t>2024. 11. 05.</a:t>
             </a:fld>
             <a:endParaRPr lang="hu-HU"/>
           </a:p>
@@ -3122,7 +3122,7 @@
           <a:p>
             <a:fld id="{F8100E49-6547-4E7F-9859-58FAF5C428CE}" type="datetimeFigureOut">
               <a:rPr lang="hu-HU" smtClean="0"/>
-              <a:t>2024. 11. 04.</a:t>
+              <a:t>2024. 11. 05.</a:t>
             </a:fld>
             <a:endParaRPr lang="hu-HU"/>
           </a:p>
@@ -4129,7 +4129,7 @@
         <p:spPr>
           <a:xfrm>
             <a:off x="7356428" y="1690062"/>
-            <a:ext cx="4595813" cy="4031873"/>
+            <a:ext cx="4595813" cy="2677656"/>
           </a:xfrm>
           <a:prstGeom prst="rect">
             <a:avLst/>
@@ -4143,7 +4143,7 @@
           <a:lstStyle/>
           <a:p>
             <a:r>
-              <a:rPr lang="hu-HU" sz="4400" b="1" i="1" dirty="0">
+              <a:rPr lang="hu-HU" sz="4400" b="1" i="1">
                 <a:solidFill>
                   <a:schemeClr val="bg1"/>
                 </a:solidFill>
@@ -4157,8 +4157,22 @@
                 <a:latin typeface="Times New Roman" panose="02020603050405020304" pitchFamily="18" charset="0"/>
                 <a:cs typeface="Times New Roman" panose="02020603050405020304" pitchFamily="18" charset="0"/>
               </a:rPr>
-              <a:t>EL ÉRNI A TOTÁLIS SZÉKREKEDÉST</a:t>
-            </a:r>
+              <a:t>BERUGNI</a:t>
+            </a:r>
+            <a:endParaRPr lang="hu-HU" sz="4400" b="1" i="1" dirty="0">
+              <a:solidFill>
+                <a:schemeClr val="bg1"/>
+              </a:solidFill>
+              <a:effectLst>
+                <a:outerShdw blurRad="38100" dist="38100" dir="2700000" algn="tl">
+                  <a:srgbClr val="000000">
+                    <a:alpha val="43137"/>
+                  </a:srgbClr>
+                </a:outerShdw>
+              </a:effectLst>
+              <a:latin typeface="Times New Roman" panose="02020603050405020304" pitchFamily="18" charset="0"/>
+              <a:cs typeface="Times New Roman" panose="02020603050405020304" pitchFamily="18" charset="0"/>
+            </a:endParaRPr>
           </a:p>
           <a:p>
             <a:endParaRPr lang="hu-HU" sz="4400" b="1" i="1" dirty="0">

--- a/A_busz (1).pptx
+++ b/A_busz (1).pptx
@@ -5946,7 +5946,22 @@
                   </a:outerShdw>
                 </a:effectLst>
               </a:rPr>
-              <a:t>Új dolgokat is tanultunk (canvas)</a:t>
+              <a:t>Új dolgokat is tanultunk (canv</a:t>
+            </a:r>
+            <a:r>
+              <a:rPr lang="hu-HU" dirty="0">
+                <a:solidFill>
+                  <a:schemeClr val="bg1"/>
+                </a:solidFill>
+                <a:effectLst>
+                  <a:outerShdw blurRad="38100" dist="38100" dir="2700000" algn="tl">
+                    <a:srgbClr val="000000">
+                      <a:alpha val="43137"/>
+                    </a:srgbClr>
+                  </a:outerShdw>
+                </a:effectLst>
+              </a:rPr>
+              <a:t>as)</a:t>
             </a:r>
           </a:p>
           <a:p>
